--- a/Capstone_Project/Capstone presentation.pptx
+++ b/Capstone_Project/Capstone presentation.pptx
@@ -502,7 +502,7 @@
             <a:fld id="{1D8BD707-D9CF-40AE-B4C6-C98DA3205C09}" type="datetimeFigureOut">
               <a:rPr lang="en-US" smtClean="0"/>
               <a:pPr/>
-              <a:t>6/23/2020</a:t>
+              <a:t>6/26/2020</a:t>
             </a:fld>
             <a:endParaRPr lang="en-US"/>
           </a:p>
@@ -669,7 +669,7 @@
             <a:fld id="{1D8BD707-D9CF-40AE-B4C6-C98DA3205C09}" type="datetimeFigureOut">
               <a:rPr lang="en-US" smtClean="0"/>
               <a:pPr/>
-              <a:t>6/23/2020</a:t>
+              <a:t>6/26/2020</a:t>
             </a:fld>
             <a:endParaRPr lang="en-US"/>
           </a:p>
@@ -846,7 +846,7 @@
             <a:fld id="{1D8BD707-D9CF-40AE-B4C6-C98DA3205C09}" type="datetimeFigureOut">
               <a:rPr lang="en-US" smtClean="0"/>
               <a:pPr/>
-              <a:t>6/23/2020</a:t>
+              <a:t>6/26/2020</a:t>
             </a:fld>
             <a:endParaRPr lang="en-US"/>
           </a:p>
@@ -1017,7 +1017,7 @@
             <a:fld id="{1D8BD707-D9CF-40AE-B4C6-C98DA3205C09}" type="datetimeFigureOut">
               <a:rPr lang="en-US" smtClean="0"/>
               <a:pPr/>
-              <a:t>6/23/2020</a:t>
+              <a:t>6/26/2020</a:t>
             </a:fld>
             <a:endParaRPr lang="en-US"/>
           </a:p>
@@ -1474,7 +1474,7 @@
             <a:fld id="{1D8BD707-D9CF-40AE-B4C6-C98DA3205C09}" type="datetimeFigureOut">
               <a:rPr lang="en-US" smtClean="0"/>
               <a:pPr/>
-              <a:t>6/23/2020</a:t>
+              <a:t>6/26/2020</a:t>
             </a:fld>
             <a:endParaRPr lang="en-US"/>
           </a:p>
@@ -1740,7 +1740,7 @@
             <a:fld id="{1D8BD707-D9CF-40AE-B4C6-C98DA3205C09}" type="datetimeFigureOut">
               <a:rPr lang="en-US" smtClean="0"/>
               <a:pPr/>
-              <a:t>6/23/2020</a:t>
+              <a:t>6/26/2020</a:t>
             </a:fld>
             <a:endParaRPr lang="en-US"/>
           </a:p>
@@ -2116,7 +2116,7 @@
             <a:fld id="{1D8BD707-D9CF-40AE-B4C6-C98DA3205C09}" type="datetimeFigureOut">
               <a:rPr lang="en-US" smtClean="0"/>
               <a:pPr/>
-              <a:t>6/23/2020</a:t>
+              <a:t>6/26/2020</a:t>
             </a:fld>
             <a:endParaRPr lang="en-US"/>
           </a:p>
@@ -2240,7 +2240,7 @@
             <a:fld id="{1D8BD707-D9CF-40AE-B4C6-C98DA3205C09}" type="datetimeFigureOut">
               <a:rPr lang="en-US" smtClean="0"/>
               <a:pPr/>
-              <a:t>6/23/2020</a:t>
+              <a:t>6/26/2020</a:t>
             </a:fld>
             <a:endParaRPr lang="en-US"/>
           </a:p>
@@ -2332,7 +2332,7 @@
             <a:fld id="{1D8BD707-D9CF-40AE-B4C6-C98DA3205C09}" type="datetimeFigureOut">
               <a:rPr lang="en-US" smtClean="0"/>
               <a:pPr/>
-              <a:t>6/23/2020</a:t>
+              <a:t>6/26/2020</a:t>
             </a:fld>
             <a:endParaRPr lang="en-US"/>
           </a:p>
@@ -2583,7 +2583,7 @@
             <a:fld id="{1D8BD707-D9CF-40AE-B4C6-C98DA3205C09}" type="datetimeFigureOut">
               <a:rPr lang="en-US" smtClean="0"/>
               <a:pPr/>
-              <a:t>6/23/2020</a:t>
+              <a:t>6/26/2020</a:t>
             </a:fld>
             <a:endParaRPr lang="en-US"/>
           </a:p>
@@ -2844,7 +2844,7 @@
             <a:fld id="{1D8BD707-D9CF-40AE-B4C6-C98DA3205C09}" type="datetimeFigureOut">
               <a:rPr lang="en-US" smtClean="0"/>
               <a:pPr/>
-              <a:t>6/23/2020</a:t>
+              <a:t>6/26/2020</a:t>
             </a:fld>
             <a:endParaRPr lang="en-US"/>
           </a:p>
@@ -3250,7 +3250,7 @@
             <a:fld id="{1D8BD707-D9CF-40AE-B4C6-C98DA3205C09}" type="datetimeFigureOut">
               <a:rPr lang="en-US" smtClean="0"/>
               <a:pPr/>
-              <a:t>6/23/2020</a:t>
+              <a:t>6/26/2020</a:t>
             </a:fld>
             <a:endParaRPr lang="en-US"/>
           </a:p>
@@ -6356,7 +6356,7 @@
       </p:sp>
       <p:pic>
         <p:nvPicPr>
-          <p:cNvPr id="1026" name="Picture 2" descr="C:\Users\LES\Desktop\ppt.JPG"/>
+          <p:cNvPr id="3" name="Picture 2"/>
           <p:cNvPicPr>
             <a:picLocks noChangeAspect="1" noChangeArrowheads="1"/>
           </p:cNvPicPr>
@@ -6377,27 +6377,40 @@
         </p:blipFill>
         <p:spPr bwMode="auto">
           <a:xfrm>
-            <a:off x="304800" y="3505200"/>
-            <a:ext cx="6745646" cy="2209800"/>
+            <a:off x="7162800" y="4366775"/>
+            <a:ext cx="1752600" cy="1348225"/>
           </a:xfrm>
           <a:prstGeom prst="rect">
             <a:avLst/>
           </a:prstGeom>
           <a:noFill/>
+          <a:ln>
+            <a:noFill/>
+          </a:ln>
           <a:extLst>
             <a:ext uri="{909E8E84-426E-40DD-AFC4-6F175D3DCCD1}">
               <a14:hiddenFill xmlns:a14="http://schemas.microsoft.com/office/drawing/2010/main">
                 <a:solidFill>
-                  <a:srgbClr val="FFFFFF"/>
+                  <a:schemeClr val="accent1"/>
                 </a:solidFill>
               </a14:hiddenFill>
+            </a:ext>
+            <a:ext uri="{91240B29-F687-4F45-9708-019B960494DF}">
+              <a14:hiddenLine xmlns:a14="http://schemas.microsoft.com/office/drawing/2010/main" w="9525">
+                <a:solidFill>
+                  <a:schemeClr val="tx1"/>
+                </a:solidFill>
+                <a:miter lim="800000"/>
+                <a:headEnd/>
+                <a:tailEnd/>
+              </a14:hiddenLine>
             </a:ext>
           </a:extLst>
         </p:spPr>
       </p:pic>
       <p:pic>
         <p:nvPicPr>
-          <p:cNvPr id="3" name="Picture 2"/>
+          <p:cNvPr id="5" name="Picture 2"/>
           <p:cNvPicPr>
             <a:picLocks noChangeAspect="1" noChangeArrowheads="1"/>
           </p:cNvPicPr>
@@ -6418,8 +6431,8 @@
         </p:blipFill>
         <p:spPr bwMode="auto">
           <a:xfrm>
-            <a:off x="7162800" y="4366775"/>
-            <a:ext cx="1752600" cy="1348225"/>
+            <a:off x="381000" y="3616197"/>
+            <a:ext cx="6629400" cy="2767666"/>
           </a:xfrm>
           <a:prstGeom prst="rect">
             <a:avLst/>
